--- a/github.pptx
+++ b/github.pptx
@@ -5,7 +5,7 @@
     <p:sldMasterId id="2147483648" r:id="rId1"/>
   </p:sldMasterIdLst>
   <p:notesMasterIdLst>
-    <p:notesMasterId r:id="rId16"/>
+    <p:notesMasterId r:id="rId20"/>
   </p:notesMasterIdLst>
   <p:sldIdLst>
     <p:sldId id="256" r:id="rId2"/>
@@ -22,6 +22,10 @@
     <p:sldId id="271" r:id="rId13"/>
     <p:sldId id="264" r:id="rId14"/>
     <p:sldId id="265" r:id="rId15"/>
+    <p:sldId id="272" r:id="rId16"/>
+    <p:sldId id="273" r:id="rId17"/>
+    <p:sldId id="274" r:id="rId18"/>
+    <p:sldId id="275" r:id="rId19"/>
   </p:sldIdLst>
   <p:sldSz cx="12192000" cy="6858000"/>
   <p:notesSz cx="6858000" cy="9144000"/>
@@ -122,7 +126,7 @@
   </p:defaultTextStyle>
   <p:extLst>
     <p:ext uri="{EFAFB233-063F-42B5-8137-9DF3F51BA10A}">
-      <p15:sldGuideLst xmlns:p15="http://schemas.microsoft.com/office/powerpoint/2012/main"/>
+      <p15:sldGuideLst xmlns="" xmlns:p15="http://schemas.microsoft.com/office/powerpoint/2012/main"/>
     </p:ext>
   </p:extLst>
 </p:presentation>
@@ -210,7 +214,7 @@
           <a:p>
             <a:fld id="{629B64CA-3802-4CEA-81C9-4D84742CBF9C}" type="datetimeFigureOut">
               <a:rPr lang="en-US" smtClean="0"/>
-              <a:t>12/17/2019</a:t>
+              <a:t>12/24/2019</a:t>
             </a:fld>
             <a:endParaRPr lang="en-US"/>
           </a:p>
@@ -609,7 +613,7 @@
           <a:p>
             <a:fld id="{0D4F909B-9D4C-42F6-AA32-FAF7F78A534A}" type="datetimeFigureOut">
               <a:rPr lang="en-US" smtClean="0"/>
-              <a:t>12/17/2019</a:t>
+              <a:t>12/24/2019</a:t>
             </a:fld>
             <a:endParaRPr lang="en-US"/>
           </a:p>
@@ -779,7 +783,7 @@
           <a:p>
             <a:fld id="{0D4F909B-9D4C-42F6-AA32-FAF7F78A534A}" type="datetimeFigureOut">
               <a:rPr lang="en-US" smtClean="0"/>
-              <a:t>12/17/2019</a:t>
+              <a:t>12/24/2019</a:t>
             </a:fld>
             <a:endParaRPr lang="en-US"/>
           </a:p>
@@ -959,7 +963,7 @@
           <a:p>
             <a:fld id="{0D4F909B-9D4C-42F6-AA32-FAF7F78A534A}" type="datetimeFigureOut">
               <a:rPr lang="en-US" smtClean="0"/>
-              <a:t>12/17/2019</a:t>
+              <a:t>12/24/2019</a:t>
             </a:fld>
             <a:endParaRPr lang="en-US"/>
           </a:p>
@@ -1129,7 +1133,7 @@
           <a:p>
             <a:fld id="{0D4F909B-9D4C-42F6-AA32-FAF7F78A534A}" type="datetimeFigureOut">
               <a:rPr lang="en-US" smtClean="0"/>
-              <a:t>12/17/2019</a:t>
+              <a:t>12/24/2019</a:t>
             </a:fld>
             <a:endParaRPr lang="en-US"/>
           </a:p>
@@ -1375,7 +1379,7 @@
           <a:p>
             <a:fld id="{0D4F909B-9D4C-42F6-AA32-FAF7F78A534A}" type="datetimeFigureOut">
               <a:rPr lang="en-US" smtClean="0"/>
-              <a:t>12/17/2019</a:t>
+              <a:t>12/24/2019</a:t>
             </a:fld>
             <a:endParaRPr lang="en-US"/>
           </a:p>
@@ -1607,7 +1611,7 @@
           <a:p>
             <a:fld id="{0D4F909B-9D4C-42F6-AA32-FAF7F78A534A}" type="datetimeFigureOut">
               <a:rPr lang="en-US" smtClean="0"/>
-              <a:t>12/17/2019</a:t>
+              <a:t>12/24/2019</a:t>
             </a:fld>
             <a:endParaRPr lang="en-US"/>
           </a:p>
@@ -1974,7 +1978,7 @@
           <a:p>
             <a:fld id="{0D4F909B-9D4C-42F6-AA32-FAF7F78A534A}" type="datetimeFigureOut">
               <a:rPr lang="en-US" smtClean="0"/>
-              <a:t>12/17/2019</a:t>
+              <a:t>12/24/2019</a:t>
             </a:fld>
             <a:endParaRPr lang="en-US"/>
           </a:p>
@@ -2092,7 +2096,7 @@
           <a:p>
             <a:fld id="{0D4F909B-9D4C-42F6-AA32-FAF7F78A534A}" type="datetimeFigureOut">
               <a:rPr lang="en-US" smtClean="0"/>
-              <a:t>12/17/2019</a:t>
+              <a:t>12/24/2019</a:t>
             </a:fld>
             <a:endParaRPr lang="en-US"/>
           </a:p>
@@ -2187,7 +2191,7 @@
           <a:p>
             <a:fld id="{0D4F909B-9D4C-42F6-AA32-FAF7F78A534A}" type="datetimeFigureOut">
               <a:rPr lang="en-US" smtClean="0"/>
-              <a:t>12/17/2019</a:t>
+              <a:t>12/24/2019</a:t>
             </a:fld>
             <a:endParaRPr lang="en-US"/>
           </a:p>
@@ -2464,7 +2468,7 @@
           <a:p>
             <a:fld id="{0D4F909B-9D4C-42F6-AA32-FAF7F78A534A}" type="datetimeFigureOut">
               <a:rPr lang="en-US" smtClean="0"/>
-              <a:t>12/17/2019</a:t>
+              <a:t>12/24/2019</a:t>
             </a:fld>
             <a:endParaRPr lang="en-US"/>
           </a:p>
@@ -2717,7 +2721,7 @@
           <a:p>
             <a:fld id="{0D4F909B-9D4C-42F6-AA32-FAF7F78A534A}" type="datetimeFigureOut">
               <a:rPr lang="en-US" smtClean="0"/>
-              <a:t>12/17/2019</a:t>
+              <a:t>12/24/2019</a:t>
             </a:fld>
             <a:endParaRPr lang="en-US"/>
           </a:p>
@@ -2930,7 +2934,7 @@
           <a:p>
             <a:fld id="{0D4F909B-9D4C-42F6-AA32-FAF7F78A534A}" type="datetimeFigureOut">
               <a:rPr lang="en-US" smtClean="0"/>
-              <a:t>12/17/2019</a:t>
+              <a:t>12/24/2019</a:t>
             </a:fld>
             <a:endParaRPr lang="en-US"/>
           </a:p>
@@ -5037,13 +5041,7 @@
               <a:rPr lang="en-US" dirty="0" smtClean="0">
                 <a:latin typeface="+mj-lt"/>
               </a:rPr>
-              <a:t>of the </a:t>
-            </a:r>
-            <a:r>
-              <a:rPr lang="en-US" dirty="0" smtClean="0">
-                <a:latin typeface="+mj-lt"/>
-              </a:rPr>
-              <a:t>code</a:t>
+              <a:t>of the code</a:t>
             </a:r>
             <a:r>
               <a:rPr lang="en-US" dirty="0">
@@ -6034,14 +6032,7 @@
                 <a:latin typeface="Calibri Light" panose="020F0302020204030204" pitchFamily="34" charset="0"/>
                 <a:cs typeface="Calibri Light" panose="020F0302020204030204" pitchFamily="34" charset="0"/>
               </a:rPr>
-              <a:t>אישור מראש, מבלי להפר את חוק זכויות היוצרים</a:t>
-            </a:r>
-            <a:r>
-              <a:rPr lang="he-IL" dirty="0" smtClean="0">
-                <a:latin typeface="Calibri Light" panose="020F0302020204030204" pitchFamily="34" charset="0"/>
-                <a:cs typeface="Calibri Light" panose="020F0302020204030204" pitchFamily="34" charset="0"/>
-              </a:rPr>
-              <a:t>.</a:t>
+              <a:t>אישור מראש, מבלי להפר את חוק זכויות היוצרים.</a:t>
             </a:r>
             <a:endParaRPr lang="en-US" dirty="0" smtClean="0">
               <a:latin typeface="Calibri Light" panose="020F0302020204030204" pitchFamily="34" charset="0"/>
@@ -6351,14 +6342,7 @@
                 <a:latin typeface="Calibri Light" panose="020F0302020204030204" pitchFamily="34" charset="0"/>
                 <a:cs typeface="Calibri Light" panose="020F0302020204030204" pitchFamily="34" charset="0"/>
               </a:rPr>
-              <a:t>אך בפועל כל אחד יכול לשתף בו טקסט. הרעיון שמאחורי אתרים מעין אלו הוא להפוך לנוח שיתוף </a:t>
-            </a:r>
-            <a:r>
-              <a:rPr lang="he-IL" sz="1800" dirty="0">
-                <a:latin typeface="Calibri Light" panose="020F0302020204030204" pitchFamily="34" charset="0"/>
-                <a:cs typeface="Calibri Light" panose="020F0302020204030204" pitchFamily="34" charset="0"/>
-              </a:rPr>
-              <a:t>של טקסטים ברשת. </a:t>
+              <a:t>אך בפועל כל אחד יכול לשתף בו טקסט. הרעיון שמאחורי אתרים מעין אלו הוא להפוך לנוח שיתוף של טקסטים ברשת. </a:t>
             </a:r>
             <a:endParaRPr lang="en-US" sz="1800" dirty="0">
               <a:latin typeface="Calibri Light" panose="020F0302020204030204" pitchFamily="34" charset="0"/>
@@ -7083,6 +7067,764 @@
 </p:sld>
 </file>
 
+<file path=ppt/slides/slide15.xml><?xml version="1.0" encoding="utf-8"?>
+<p:sld xmlns:a="http://schemas.openxmlformats.org/drawingml/2006/main" xmlns:r="http://schemas.openxmlformats.org/officeDocument/2006/relationships" xmlns:p="http://schemas.openxmlformats.org/presentationml/2006/main">
+  <p:cSld>
+    <p:spTree>
+      <p:nvGrpSpPr>
+        <p:cNvPr id="1" name=""/>
+        <p:cNvGrpSpPr/>
+        <p:nvPr/>
+      </p:nvGrpSpPr>
+      <p:grpSpPr>
+        <a:xfrm>
+          <a:off x="0" y="0"/>
+          <a:ext cx="0" cy="0"/>
+          <a:chOff x="0" y="0"/>
+          <a:chExt cx="0" cy="0"/>
+        </a:xfrm>
+      </p:grpSpPr>
+      <p:sp>
+        <p:nvSpPr>
+          <p:cNvPr id="2" name="Title 1"/>
+          <p:cNvSpPr>
+            <a:spLocks noGrp="1"/>
+          </p:cNvSpPr>
+          <p:nvPr>
+            <p:ph type="ctrTitle"/>
+          </p:nvPr>
+        </p:nvSpPr>
+        <p:spPr>
+          <a:xfrm>
+            <a:off x="1383322" y="246184"/>
+            <a:ext cx="9999785" cy="738553"/>
+          </a:xfrm>
+        </p:spPr>
+        <p:txBody>
+          <a:bodyPr>
+            <a:normAutofit fontScale="90000"/>
+          </a:bodyPr>
+          <a:lstStyle/>
+          <a:p>
+            <a:pPr algn="l" rtl="0"/>
+            <a:r>
+              <a:rPr lang="he-IL" sz="4800" b="1" dirty="0" smtClean="0">
+                <a:solidFill>
+                  <a:srgbClr val="00B0F0"/>
+                </a:solidFill>
+              </a:rPr>
+              <a:t> </a:t>
+            </a:r>
+            <a:r>
+              <a:rPr lang="en-US" sz="4800" b="1" dirty="0" smtClean="0">
+                <a:solidFill>
+                  <a:srgbClr val="00B0F0"/>
+                </a:solidFill>
+              </a:rPr>
+              <a:t>Basic </a:t>
+            </a:r>
+            <a:r>
+              <a:rPr lang="en-US" sz="4800" b="1" dirty="0" err="1" smtClean="0">
+                <a:solidFill>
+                  <a:srgbClr val="00B0F0"/>
+                </a:solidFill>
+              </a:rPr>
+              <a:t>Git</a:t>
+            </a:r>
+            <a:r>
+              <a:rPr lang="en-US" sz="4800" b="1" dirty="0" smtClean="0">
+                <a:solidFill>
+                  <a:srgbClr val="00B0F0"/>
+                </a:solidFill>
+              </a:rPr>
+              <a:t> Commands to </a:t>
+            </a:r>
+            <a:r>
+              <a:rPr lang="en-US" sz="4800" b="1" dirty="0" smtClean="0">
+                <a:solidFill>
+                  <a:srgbClr val="00B0F0"/>
+                </a:solidFill>
+              </a:rPr>
+              <a:t>handle </a:t>
+            </a:r>
+            <a:r>
+              <a:rPr lang="en-US" sz="4800" b="1" dirty="0" err="1" smtClean="0">
+                <a:solidFill>
+                  <a:srgbClr val="00B0F0"/>
+                </a:solidFill>
+              </a:rPr>
+              <a:t>github</a:t>
+            </a:r>
+            <a:endParaRPr lang="he-IL" sz="4800" b="1" dirty="0">
+              <a:solidFill>
+                <a:srgbClr val="00B0F0"/>
+              </a:solidFill>
+            </a:endParaRPr>
+          </a:p>
+        </p:txBody>
+      </p:sp>
+      <p:sp>
+        <p:nvSpPr>
+          <p:cNvPr id="3" name="Subtitle 2"/>
+          <p:cNvSpPr>
+            <a:spLocks noGrp="1"/>
+          </p:cNvSpPr>
+          <p:nvPr>
+            <p:ph type="subTitle" idx="1"/>
+          </p:nvPr>
+        </p:nvSpPr>
+        <p:spPr>
+          <a:xfrm>
+            <a:off x="1230923" y="1641230"/>
+            <a:ext cx="10339754" cy="4267201"/>
+          </a:xfrm>
+        </p:spPr>
+        <p:txBody>
+          <a:bodyPr>
+            <a:normAutofit fontScale="92500" lnSpcReduction="20000"/>
+          </a:bodyPr>
+          <a:lstStyle/>
+          <a:p>
+            <a:pPr algn="l" rtl="0"/>
+            <a:r>
+              <a:rPr lang="en-US" sz="3200" b="1" dirty="0" smtClean="0">
+                <a:solidFill>
+                  <a:srgbClr val="00B050"/>
+                </a:solidFill>
+              </a:rPr>
+              <a:t>We can manage </a:t>
+            </a:r>
+            <a:r>
+              <a:rPr lang="en-US" sz="3200" b="1" dirty="0" err="1" smtClean="0">
+                <a:solidFill>
+                  <a:srgbClr val="00B050"/>
+                </a:solidFill>
+              </a:rPr>
+              <a:t>github</a:t>
+            </a:r>
+            <a:r>
+              <a:rPr lang="en-US" sz="3200" b="1" dirty="0" smtClean="0">
+                <a:solidFill>
+                  <a:srgbClr val="00B050"/>
+                </a:solidFill>
+              </a:rPr>
+              <a:t> through the command line in our pc</a:t>
+            </a:r>
+          </a:p>
+          <a:p>
+            <a:pPr algn="l" rtl="0"/>
+            <a:r>
+              <a:rPr lang="en-US" sz="3200" b="1" dirty="0" smtClean="0">
+                <a:solidFill>
+                  <a:srgbClr val="00B050"/>
+                </a:solidFill>
+              </a:rPr>
+              <a:t>Basic commands:</a:t>
+            </a:r>
+            <a:endParaRPr lang="en-US" sz="3200" b="1" dirty="0" smtClean="0">
+              <a:solidFill>
+                <a:srgbClr val="00B050"/>
+              </a:solidFill>
+            </a:endParaRPr>
+          </a:p>
+          <a:p>
+            <a:pPr algn="l" rtl="0"/>
+            <a:endParaRPr lang="en-US" b="1" dirty="0" smtClean="0"/>
+          </a:p>
+          <a:p>
+            <a:pPr algn="l" rtl="0"/>
+            <a:r>
+              <a:rPr lang="en-US" b="1" dirty="0" err="1" smtClean="0"/>
+              <a:t>git</a:t>
+            </a:r>
+            <a:r>
+              <a:rPr lang="en-US" b="1" dirty="0" smtClean="0"/>
+              <a:t> </a:t>
+            </a:r>
+            <a:r>
+              <a:rPr lang="en-US" b="1" dirty="0" err="1" smtClean="0"/>
+              <a:t>init</a:t>
+            </a:r>
+            <a:r>
+              <a:rPr lang="en-US" b="1" dirty="0" smtClean="0"/>
+              <a:t> – </a:t>
+            </a:r>
+            <a:r>
+              <a:rPr lang="en-US" b="1" dirty="0" smtClean="0"/>
+              <a:t>create a new </a:t>
+            </a:r>
+            <a:r>
+              <a:rPr lang="en-US" b="1" dirty="0" err="1" smtClean="0"/>
+              <a:t>git</a:t>
+            </a:r>
+            <a:r>
+              <a:rPr lang="en-US" b="1" dirty="0" smtClean="0"/>
+              <a:t> repository</a:t>
+            </a:r>
+          </a:p>
+          <a:p>
+            <a:pPr algn="l" rtl="0"/>
+            <a:r>
+              <a:rPr lang="en-US" b="1" dirty="0" err="1"/>
+              <a:t>git</a:t>
+            </a:r>
+            <a:r>
+              <a:rPr lang="en-US" b="1" dirty="0"/>
+              <a:t> remote add </a:t>
+            </a:r>
+            <a:r>
+              <a:rPr lang="en-US" b="1" dirty="0" smtClean="0"/>
+              <a:t>origin (+URL) – define the selected address remote server of </a:t>
+            </a:r>
+            <a:r>
+              <a:rPr lang="en-US" b="1" dirty="0" err="1" smtClean="0"/>
+              <a:t>github</a:t>
+            </a:r>
+            <a:endParaRPr lang="en-US" b="1" dirty="0" smtClean="0"/>
+          </a:p>
+          <a:p>
+            <a:pPr algn="l" rtl="0"/>
+            <a:r>
+              <a:rPr lang="en-US" b="1" dirty="0" err="1" smtClean="0"/>
+              <a:t>git</a:t>
+            </a:r>
+            <a:r>
+              <a:rPr lang="en-US" b="1" dirty="0" smtClean="0"/>
+              <a:t> push – upload file from our local project to </a:t>
+            </a:r>
+            <a:r>
+              <a:rPr lang="en-US" b="1" dirty="0" err="1" smtClean="0"/>
+              <a:t>github</a:t>
+            </a:r>
+            <a:endParaRPr lang="en-US" b="1" dirty="0" smtClean="0"/>
+          </a:p>
+          <a:p>
+            <a:pPr algn="l" rtl="0"/>
+            <a:r>
+              <a:rPr lang="en-US" b="1" dirty="0" err="1" smtClean="0"/>
+              <a:t>git</a:t>
+            </a:r>
+            <a:r>
+              <a:rPr lang="en-US" b="1" dirty="0" smtClean="0"/>
+              <a:t> push -u origin master – upload full repository to </a:t>
+            </a:r>
+            <a:r>
+              <a:rPr lang="en-US" b="1" dirty="0" err="1" smtClean="0"/>
+              <a:t>github</a:t>
+            </a:r>
+            <a:endParaRPr lang="en-US" b="1" dirty="0" smtClean="0"/>
+          </a:p>
+          <a:p>
+            <a:pPr algn="l" rtl="0"/>
+            <a:r>
+              <a:rPr lang="en-US" b="1" dirty="0" err="1" smtClean="0"/>
+              <a:t>git</a:t>
+            </a:r>
+            <a:r>
+              <a:rPr lang="en-US" b="1" dirty="0" smtClean="0"/>
+              <a:t> pull – download most updated file from </a:t>
+            </a:r>
+            <a:r>
+              <a:rPr lang="en-US" b="1" dirty="0" err="1" smtClean="0"/>
+              <a:t>github</a:t>
+            </a:r>
+            <a:r>
+              <a:rPr lang="en-US" b="1" dirty="0" smtClean="0"/>
+              <a:t> </a:t>
+            </a:r>
+            <a:r>
+              <a:rPr lang="en-US" b="1" dirty="0" smtClean="0"/>
+              <a:t>to </a:t>
+            </a:r>
+            <a:r>
+              <a:rPr lang="en-US" b="1" dirty="0" smtClean="0"/>
+              <a:t>our </a:t>
+            </a:r>
+            <a:r>
+              <a:rPr lang="en-US" b="1" dirty="0" err="1" smtClean="0"/>
+              <a:t>git</a:t>
+            </a:r>
+            <a:endParaRPr lang="en-US" b="1" dirty="0" smtClean="0"/>
+          </a:p>
+          <a:p>
+            <a:pPr algn="l" rtl="0"/>
+            <a:r>
+              <a:rPr lang="en-US" b="1" dirty="0" err="1"/>
+              <a:t>g</a:t>
+            </a:r>
+            <a:r>
+              <a:rPr lang="en-US" b="1" dirty="0" err="1" smtClean="0"/>
+              <a:t>it</a:t>
+            </a:r>
+            <a:r>
+              <a:rPr lang="en-US" b="1" dirty="0" smtClean="0"/>
+              <a:t> clone </a:t>
+            </a:r>
+            <a:r>
+              <a:rPr lang="en-US" b="1" dirty="0" smtClean="0"/>
+              <a:t>(+ URL) – </a:t>
+            </a:r>
+            <a:r>
+              <a:rPr lang="en-US" b="1" dirty="0" smtClean="0"/>
+              <a:t>copy a selected repository from </a:t>
+            </a:r>
+            <a:r>
+              <a:rPr lang="en-US" b="1" dirty="0" err="1" smtClean="0"/>
+              <a:t>github</a:t>
+            </a:r>
+            <a:r>
+              <a:rPr lang="en-US" b="1" dirty="0" smtClean="0"/>
+              <a:t> to a new directory </a:t>
+            </a:r>
+            <a:r>
+              <a:rPr lang="en-US" b="1" dirty="0" smtClean="0"/>
+              <a:t>in </a:t>
+            </a:r>
+            <a:r>
+              <a:rPr lang="en-US" b="1" dirty="0" smtClean="0"/>
+              <a:t>our local </a:t>
+            </a:r>
+            <a:r>
+              <a:rPr lang="en-US" b="1" dirty="0" err="1" smtClean="0"/>
+              <a:t>git</a:t>
+            </a:r>
+            <a:endParaRPr lang="en-US" b="1" dirty="0" smtClean="0"/>
+          </a:p>
+          <a:p>
+            <a:pPr algn="l" rtl="0"/>
+            <a:r>
+              <a:rPr lang="en-US" b="1" dirty="0" err="1" smtClean="0"/>
+              <a:t>Git</a:t>
+            </a:r>
+            <a:r>
+              <a:rPr lang="en-US" b="1" dirty="0" smtClean="0"/>
+              <a:t> branch – creating a new branch from the master</a:t>
+            </a:r>
+            <a:endParaRPr lang="en-US" b="1" dirty="0" smtClean="0"/>
+          </a:p>
+          <a:p>
+            <a:pPr algn="l" rtl="0"/>
+            <a:endParaRPr lang="en-US" b="1" dirty="0" smtClean="0"/>
+          </a:p>
+          <a:p>
+            <a:pPr algn="l" rtl="0"/>
+            <a:endParaRPr lang="he-IL" b="1" dirty="0"/>
+          </a:p>
+        </p:txBody>
+      </p:sp>
+    </p:spTree>
+    <p:extLst>
+      <p:ext uri="{BB962C8B-B14F-4D97-AF65-F5344CB8AC3E}">
+        <p14:creationId xmlns:p14="http://schemas.microsoft.com/office/powerpoint/2010/main" val="1555646253"/>
+      </p:ext>
+    </p:extLst>
+  </p:cSld>
+  <p:clrMapOvr>
+    <a:masterClrMapping/>
+  </p:clrMapOvr>
+</p:sld>
+</file>
+
+<file path=ppt/slides/slide16.xml><?xml version="1.0" encoding="utf-8"?>
+<p:sld xmlns:a="http://schemas.openxmlformats.org/drawingml/2006/main" xmlns:r="http://schemas.openxmlformats.org/officeDocument/2006/relationships" xmlns:p="http://schemas.openxmlformats.org/presentationml/2006/main">
+  <p:cSld>
+    <p:spTree>
+      <p:nvGrpSpPr>
+        <p:cNvPr id="1" name=""/>
+        <p:cNvGrpSpPr/>
+        <p:nvPr/>
+      </p:nvGrpSpPr>
+      <p:grpSpPr>
+        <a:xfrm>
+          <a:off x="0" y="0"/>
+          <a:ext cx="0" cy="0"/>
+          <a:chOff x="0" y="0"/>
+          <a:chExt cx="0" cy="0"/>
+        </a:xfrm>
+      </p:grpSpPr>
+      <p:sp>
+        <p:nvSpPr>
+          <p:cNvPr id="2" name="Title 1"/>
+          <p:cNvSpPr>
+            <a:spLocks noGrp="1"/>
+          </p:cNvSpPr>
+          <p:nvPr>
+            <p:ph type="ctrTitle"/>
+          </p:nvPr>
+        </p:nvSpPr>
+        <p:spPr>
+          <a:xfrm>
+            <a:off x="1664677" y="184515"/>
+            <a:ext cx="9144000" cy="3918562"/>
+          </a:xfrm>
+        </p:spPr>
+        <p:txBody>
+          <a:bodyPr>
+            <a:normAutofit/>
+          </a:bodyPr>
+          <a:lstStyle/>
+          <a:p>
+            <a:r>
+              <a:rPr lang="en-US" dirty="0" smtClean="0">
+                <a:solidFill>
+                  <a:schemeClr val="accent5">
+                    <a:lumMod val="75000"/>
+                  </a:schemeClr>
+                </a:solidFill>
+              </a:rPr>
+              <a:t>Examples Of </a:t>
+            </a:r>
+            <a:r>
+              <a:rPr lang="en-US" dirty="0" err="1" smtClean="0">
+                <a:solidFill>
+                  <a:schemeClr val="accent5">
+                    <a:lumMod val="75000"/>
+                  </a:schemeClr>
+                </a:solidFill>
+              </a:rPr>
+              <a:t>Github</a:t>
+            </a:r>
+            <a:r>
+              <a:rPr lang="en-US" dirty="0" smtClean="0">
+                <a:solidFill>
+                  <a:schemeClr val="accent5">
+                    <a:lumMod val="75000"/>
+                  </a:schemeClr>
+                </a:solidFill>
+              </a:rPr>
+              <a:t> repositories</a:t>
+            </a:r>
+            <a:endParaRPr lang="he-IL" dirty="0">
+              <a:solidFill>
+                <a:schemeClr val="accent5">
+                  <a:lumMod val="75000"/>
+                </a:schemeClr>
+              </a:solidFill>
+            </a:endParaRPr>
+          </a:p>
+        </p:txBody>
+      </p:sp>
+      <p:sp>
+        <p:nvSpPr>
+          <p:cNvPr id="3" name="Subtitle 2"/>
+          <p:cNvSpPr>
+            <a:spLocks noGrp="1"/>
+          </p:cNvSpPr>
+          <p:nvPr>
+            <p:ph type="subTitle" idx="1"/>
+          </p:nvPr>
+        </p:nvSpPr>
+        <p:spPr>
+          <a:xfrm>
+            <a:off x="1524000" y="5099538"/>
+            <a:ext cx="9144000" cy="158262"/>
+          </a:xfrm>
+        </p:spPr>
+        <p:txBody>
+          <a:bodyPr>
+            <a:normAutofit fontScale="25000" lnSpcReduction="20000"/>
+          </a:bodyPr>
+          <a:lstStyle/>
+          <a:p>
+            <a:endParaRPr lang="he-IL" dirty="0"/>
+          </a:p>
+        </p:txBody>
+      </p:sp>
+    </p:spTree>
+    <p:extLst>
+      <p:ext uri="{BB962C8B-B14F-4D97-AF65-F5344CB8AC3E}">
+        <p14:creationId xmlns:p14="http://schemas.microsoft.com/office/powerpoint/2010/main" val="3558891344"/>
+      </p:ext>
+    </p:extLst>
+  </p:cSld>
+  <p:clrMapOvr>
+    <a:masterClrMapping/>
+  </p:clrMapOvr>
+</p:sld>
+</file>
+
+<file path=ppt/slides/slide17.xml><?xml version="1.0" encoding="utf-8"?>
+<p:sld xmlns:a="http://schemas.openxmlformats.org/drawingml/2006/main" xmlns:r="http://schemas.openxmlformats.org/officeDocument/2006/relationships" xmlns:p="http://schemas.openxmlformats.org/presentationml/2006/main">
+  <p:cSld>
+    <p:spTree>
+      <p:nvGrpSpPr>
+        <p:cNvPr id="1" name=""/>
+        <p:cNvGrpSpPr/>
+        <p:nvPr/>
+      </p:nvGrpSpPr>
+      <p:grpSpPr>
+        <a:xfrm>
+          <a:off x="0" y="0"/>
+          <a:ext cx="0" cy="0"/>
+          <a:chOff x="0" y="0"/>
+          <a:chExt cx="0" cy="0"/>
+        </a:xfrm>
+      </p:grpSpPr>
+      <p:pic>
+        <p:nvPicPr>
+          <p:cNvPr id="2050" name="Picture 2"/>
+          <p:cNvPicPr>
+            <a:picLocks noChangeAspect="1" noChangeArrowheads="1"/>
+          </p:cNvPicPr>
+          <p:nvPr/>
+        </p:nvPicPr>
+        <p:blipFill>
+          <a:blip r:embed="rId2">
+            <a:extLst>
+              <a:ext uri="{28A0092B-C50C-407E-A947-70E740481C1C}">
+                <a14:useLocalDpi xmlns:a14="http://schemas.microsoft.com/office/drawing/2010/main" val="0"/>
+              </a:ext>
+            </a:extLst>
+          </a:blip>
+          <a:srcRect/>
+          <a:stretch>
+            <a:fillRect/>
+          </a:stretch>
+        </p:blipFill>
+        <p:spPr bwMode="auto">
+          <a:xfrm>
+            <a:off x="0" y="2110154"/>
+            <a:ext cx="13011150" cy="4314092"/>
+          </a:xfrm>
+          <a:prstGeom prst="rect">
+            <a:avLst/>
+          </a:prstGeom>
+          <a:noFill/>
+          <a:ln>
+            <a:noFill/>
+          </a:ln>
+          <a:effectLst/>
+          <a:extLst>
+            <a:ext uri="{909E8E84-426E-40DD-AFC4-6F175D3DCCD1}">
+              <a14:hiddenFill xmlns:a14="http://schemas.microsoft.com/office/drawing/2010/main">
+                <a:solidFill>
+                  <a:schemeClr val="accent1"/>
+                </a:solidFill>
+              </a14:hiddenFill>
+            </a:ext>
+            <a:ext uri="{91240B29-F687-4F45-9708-019B960494DF}">
+              <a14:hiddenLine xmlns:a14="http://schemas.microsoft.com/office/drawing/2010/main" w="9525">
+                <a:solidFill>
+                  <a:schemeClr val="tx1"/>
+                </a:solidFill>
+                <a:miter lim="800000"/>
+                <a:headEnd/>
+                <a:tailEnd/>
+              </a14:hiddenLine>
+            </a:ext>
+            <a:ext uri="{AF507438-7753-43E0-B8FC-AC1667EBCBE1}">
+              <a14:hiddenEffects xmlns:a14="http://schemas.microsoft.com/office/drawing/2010/main">
+                <a:effectLst>
+                  <a:outerShdw dist="35921" dir="2700000" algn="ctr" rotWithShape="0">
+                    <a:schemeClr val="bg2"/>
+                  </a:outerShdw>
+                </a:effectLst>
+              </a14:hiddenEffects>
+            </a:ext>
+          </a:extLst>
+        </p:spPr>
+      </p:pic>
+      <p:sp>
+        <p:nvSpPr>
+          <p:cNvPr id="2" name="TextBox 1"/>
+          <p:cNvSpPr txBox="1"/>
+          <p:nvPr/>
+        </p:nvSpPr>
+        <p:spPr>
+          <a:xfrm>
+            <a:off x="1758462" y="562707"/>
+            <a:ext cx="8979877" cy="707886"/>
+          </a:xfrm>
+          <a:prstGeom prst="rect">
+            <a:avLst/>
+          </a:prstGeom>
+          <a:noFill/>
+        </p:spPr>
+        <p:txBody>
+          <a:bodyPr wrap="square" rtlCol="1">
+            <a:spAutoFit/>
+          </a:bodyPr>
+          <a:lstStyle/>
+          <a:p>
+            <a:pPr algn="l" rtl="0"/>
+            <a:r>
+              <a:rPr lang="en-US" sz="4000" dirty="0" err="1" smtClean="0">
+                <a:solidFill>
+                  <a:srgbClr val="FF0000"/>
+                </a:solidFill>
+              </a:rPr>
+              <a:t>TensorFlow</a:t>
+            </a:r>
+            <a:r>
+              <a:rPr lang="en-US" sz="4000" dirty="0" smtClean="0">
+                <a:solidFill>
+                  <a:srgbClr val="FF0000"/>
+                </a:solidFill>
+              </a:rPr>
+              <a:t> – machine learning</a:t>
+            </a:r>
+            <a:endParaRPr lang="he-IL" sz="4000" dirty="0">
+              <a:solidFill>
+                <a:srgbClr val="FF0000"/>
+              </a:solidFill>
+            </a:endParaRPr>
+          </a:p>
+        </p:txBody>
+      </p:sp>
+    </p:spTree>
+    <p:extLst>
+      <p:ext uri="{BB962C8B-B14F-4D97-AF65-F5344CB8AC3E}">
+        <p14:creationId xmlns:p14="http://schemas.microsoft.com/office/powerpoint/2010/main" val="4055050220"/>
+      </p:ext>
+    </p:extLst>
+  </p:cSld>
+  <p:clrMapOvr>
+    <a:masterClrMapping/>
+  </p:clrMapOvr>
+</p:sld>
+</file>
+
+<file path=ppt/slides/slide18.xml><?xml version="1.0" encoding="utf-8"?>
+<p:sld xmlns:a="http://schemas.openxmlformats.org/drawingml/2006/main" xmlns:r="http://schemas.openxmlformats.org/officeDocument/2006/relationships" xmlns:p="http://schemas.openxmlformats.org/presentationml/2006/main">
+  <p:cSld>
+    <p:spTree>
+      <p:nvGrpSpPr>
+        <p:cNvPr id="1" name=""/>
+        <p:cNvGrpSpPr/>
+        <p:nvPr/>
+      </p:nvGrpSpPr>
+      <p:grpSpPr>
+        <a:xfrm>
+          <a:off x="0" y="0"/>
+          <a:ext cx="0" cy="0"/>
+          <a:chOff x="0" y="0"/>
+          <a:chExt cx="0" cy="0"/>
+        </a:xfrm>
+      </p:grpSpPr>
+      <p:pic>
+        <p:nvPicPr>
+          <p:cNvPr id="3074" name="Picture 2"/>
+          <p:cNvPicPr>
+            <a:picLocks noChangeAspect="1" noChangeArrowheads="1"/>
+          </p:cNvPicPr>
+          <p:nvPr/>
+        </p:nvPicPr>
+        <p:blipFill>
+          <a:blip r:embed="rId2">
+            <a:extLst>
+              <a:ext uri="{28A0092B-C50C-407E-A947-70E740481C1C}">
+                <a14:useLocalDpi xmlns:a14="http://schemas.microsoft.com/office/drawing/2010/main" val="0"/>
+              </a:ext>
+            </a:extLst>
+          </a:blip>
+          <a:srcRect/>
+          <a:stretch>
+            <a:fillRect/>
+          </a:stretch>
+        </p:blipFill>
+        <p:spPr bwMode="auto">
+          <a:xfrm>
+            <a:off x="0" y="2250832"/>
+            <a:ext cx="13011150" cy="5064368"/>
+          </a:xfrm>
+          <a:prstGeom prst="rect">
+            <a:avLst/>
+          </a:prstGeom>
+          <a:noFill/>
+          <a:ln>
+            <a:noFill/>
+          </a:ln>
+          <a:effectLst/>
+          <a:extLst>
+            <a:ext uri="{909E8E84-426E-40DD-AFC4-6F175D3DCCD1}">
+              <a14:hiddenFill xmlns:a14="http://schemas.microsoft.com/office/drawing/2010/main">
+                <a:solidFill>
+                  <a:schemeClr val="accent1"/>
+                </a:solidFill>
+              </a14:hiddenFill>
+            </a:ext>
+            <a:ext uri="{91240B29-F687-4F45-9708-019B960494DF}">
+              <a14:hiddenLine xmlns:a14="http://schemas.microsoft.com/office/drawing/2010/main" w="9525">
+                <a:solidFill>
+                  <a:schemeClr val="tx1"/>
+                </a:solidFill>
+                <a:miter lim="800000"/>
+                <a:headEnd/>
+                <a:tailEnd/>
+              </a14:hiddenLine>
+            </a:ext>
+            <a:ext uri="{AF507438-7753-43E0-B8FC-AC1667EBCBE1}">
+              <a14:hiddenEffects xmlns:a14="http://schemas.microsoft.com/office/drawing/2010/main">
+                <a:effectLst>
+                  <a:outerShdw dist="35921" dir="2700000" algn="ctr" rotWithShape="0">
+                    <a:schemeClr val="bg2"/>
+                  </a:outerShdw>
+                </a:effectLst>
+              </a14:hiddenEffects>
+            </a:ext>
+          </a:extLst>
+        </p:spPr>
+      </p:pic>
+      <p:sp>
+        <p:nvSpPr>
+          <p:cNvPr id="2" name="TextBox 1"/>
+          <p:cNvSpPr txBox="1"/>
+          <p:nvPr/>
+        </p:nvSpPr>
+        <p:spPr>
+          <a:xfrm>
+            <a:off x="2590799" y="855785"/>
+            <a:ext cx="8335109" cy="769441"/>
+          </a:xfrm>
+          <a:prstGeom prst="rect">
+            <a:avLst/>
+          </a:prstGeom>
+          <a:noFill/>
+        </p:spPr>
+        <p:txBody>
+          <a:bodyPr wrap="square" rtlCol="1">
+            <a:spAutoFit/>
+          </a:bodyPr>
+          <a:lstStyle/>
+          <a:p>
+            <a:pPr algn="l" rtl="0"/>
+            <a:r>
+              <a:rPr lang="en-US" sz="4400" b="1" dirty="0" err="1" smtClean="0">
+                <a:solidFill>
+                  <a:srgbClr val="7030A0"/>
+                </a:solidFill>
+              </a:rPr>
+              <a:t>Redis</a:t>
+            </a:r>
+            <a:r>
+              <a:rPr lang="en-US" sz="4400" b="1" dirty="0" smtClean="0">
+                <a:solidFill>
+                  <a:srgbClr val="7030A0"/>
+                </a:solidFill>
+              </a:rPr>
+              <a:t> - database</a:t>
+            </a:r>
+            <a:endParaRPr lang="he-IL" sz="4400" b="1" dirty="0">
+              <a:solidFill>
+                <a:srgbClr val="7030A0"/>
+              </a:solidFill>
+            </a:endParaRPr>
+          </a:p>
+        </p:txBody>
+      </p:sp>
+    </p:spTree>
+    <p:extLst>
+      <p:ext uri="{BB962C8B-B14F-4D97-AF65-F5344CB8AC3E}">
+        <p14:creationId xmlns:p14="http://schemas.microsoft.com/office/powerpoint/2010/main" val="4004026445"/>
+      </p:ext>
+    </p:extLst>
+  </p:cSld>
+  <p:clrMapOvr>
+    <a:masterClrMapping/>
+  </p:clrMapOvr>
+</p:sld>
+</file>
+
 <file path=ppt/slides/slide2.xml><?xml version="1.0" encoding="utf-8"?>
 <p:sld xmlns:a="http://schemas.openxmlformats.org/drawingml/2006/main" xmlns:r="http://schemas.openxmlformats.org/officeDocument/2006/relationships" xmlns:p="http://schemas.openxmlformats.org/presentationml/2006/main">
   <p:cSld>
@@ -7731,13 +8473,7 @@
               <a:rPr lang="en-US" dirty="0" smtClean="0">
                 <a:latin typeface="+mj-lt"/>
               </a:rPr>
-              <a:t>That's </a:t>
-            </a:r>
-            <a:r>
-              <a:rPr lang="en-US" dirty="0" smtClean="0">
-                <a:latin typeface="+mj-lt"/>
-              </a:rPr>
-              <a:t>because </a:t>
+              <a:t>That's because </a:t>
             </a:r>
             <a:r>
               <a:rPr lang="en-US" dirty="0">
@@ -7853,17 +8589,8 @@
               <a:rPr lang="en-US" dirty="0" smtClean="0">
                 <a:latin typeface="+mj-lt"/>
               </a:rPr>
-              <a:t>The first merge of multiple branches took place on 18 </a:t>
-            </a:r>
-            <a:r>
-              <a:rPr lang="en-US" dirty="0" smtClean="0">
-                <a:latin typeface="+mj-lt"/>
-              </a:rPr>
-              <a:t>April.</a:t>
-            </a:r>
-            <a:endParaRPr lang="en-US" dirty="0" smtClean="0">
-              <a:latin typeface="+mj-lt"/>
-            </a:endParaRPr>
+              <a:t>The first merge of multiple branches took place on 18 April.</a:t>
+            </a:r>
           </a:p>
         </p:txBody>
       </p:sp>
@@ -8509,19 +9236,7 @@
               <a:rPr lang="en-US" dirty="0" smtClean="0">
                 <a:latin typeface="+mj-lt"/>
               </a:rPr>
-              <a:t>Git is a distributed version control system. Instead of </a:t>
-            </a:r>
-            <a:r>
-              <a:rPr lang="en-US" dirty="0" smtClean="0">
-                <a:latin typeface="+mj-lt"/>
-              </a:rPr>
-              <a:t>a copy</a:t>
-            </a:r>
-            <a:r>
-              <a:rPr lang="en-US" dirty="0" smtClean="0">
-                <a:latin typeface="+mj-lt"/>
-              </a:rPr>
-              <a:t>, each developer gets their own </a:t>
+              <a:t>Git is a distributed version control system. Instead of a copy, each developer gets their own </a:t>
             </a:r>
             <a:r>
               <a:rPr lang="en-US" dirty="0">
@@ -8533,25 +9248,7 @@
               <a:rPr lang="en-US" dirty="0" smtClean="0">
                 <a:latin typeface="+mj-lt"/>
               </a:rPr>
-              <a:t>local </a:t>
-            </a:r>
-            <a:r>
-              <a:rPr lang="en-US" dirty="0" smtClean="0">
-                <a:latin typeface="+mj-lt"/>
-              </a:rPr>
-              <a:t>repository, </a:t>
-            </a:r>
-            <a:r>
-              <a:rPr lang="en-US" dirty="0" smtClean="0">
-                <a:latin typeface="+mj-lt"/>
-              </a:rPr>
-              <a:t>with </a:t>
-            </a:r>
-            <a:r>
-              <a:rPr lang="en-US" dirty="0" smtClean="0">
-                <a:latin typeface="+mj-lt"/>
-              </a:rPr>
-              <a:t>a full history of </a:t>
+              <a:t>local repository, with a full history of </a:t>
             </a:r>
             <a:r>
               <a:rPr lang="en-US" u="sng" dirty="0" smtClean="0">
@@ -8906,25 +9603,7 @@
               <a:rPr lang="en-US" dirty="0" smtClean="0">
                 <a:latin typeface="+mj-lt"/>
               </a:rPr>
-              <a:t>As part of the toolkit design, Git has a well-defined model of incomplete merger, and has multiple algorithms to complete it, culminating in telling the user that </a:t>
-            </a:r>
-            <a:r>
-              <a:rPr lang="en-US" dirty="0" smtClean="0">
-                <a:latin typeface="+mj-lt"/>
-              </a:rPr>
-              <a:t>it</a:t>
-            </a:r>
-            <a:r>
-              <a:rPr lang="en-US" dirty="0" smtClean="0">
-                <a:latin typeface="+mj-lt"/>
-              </a:rPr>
-              <a:t> </a:t>
-            </a:r>
-            <a:r>
-              <a:rPr lang="en-US" dirty="0" smtClean="0">
-                <a:latin typeface="+mj-lt"/>
-              </a:rPr>
-              <a:t>is unable to complete the merge automatically and needs manual editing.</a:t>
+              <a:t>As part of the toolkit design, Git has a well-defined model of incomplete merger, and has multiple algorithms to complete it, culminating in telling the user that it is unable to complete the merge automatically and needs manual editing.</a:t>
             </a:r>
             <a:endParaRPr lang="en-US" dirty="0">
               <a:latin typeface="+mj-lt"/>
@@ -8973,19 +9652,7 @@
               <a:rPr lang="en-US" dirty="0" smtClean="0">
                 <a:latin typeface="+mj-lt"/>
               </a:rPr>
-              <a:t>Aborting operations or backing out changes will leave useless </a:t>
-            </a:r>
-            <a:r>
-              <a:rPr lang="en-US" dirty="0" smtClean="0">
-                <a:latin typeface="+mj-lt"/>
-              </a:rPr>
-              <a:t>“dangling” </a:t>
-            </a:r>
-            <a:r>
-              <a:rPr lang="en-US" dirty="0" smtClean="0">
-                <a:latin typeface="+mj-lt"/>
-              </a:rPr>
-              <a:t>objects in the database. Git will automatically perform garbage collection when enough loose objects have been created in the repository.</a:t>
+              <a:t>Aborting operations or backing out changes will leave useless “dangling” objects in the database. Git will automatically perform garbage collection when enough loose objects have been created in the repository.</a:t>
             </a:r>
             <a:endParaRPr lang="en-US" dirty="0">
               <a:latin typeface="+mj-lt"/>
@@ -10178,7 +10845,7 @@
     </a:clrScheme>
     <a:fontScheme name="Office">
       <a:majorFont>
-        <a:latin typeface="Calibri Light" panose="020F0302020204030204"/>
+        <a:latin typeface="Calibri Light"/>
         <a:ea typeface=""/>
         <a:cs typeface=""/>
         <a:font script="Jpan" typeface="游ゴシック Light"/>
@@ -10213,7 +10880,7 @@
         <a:font script="Geor" typeface="Sylfaen"/>
       </a:majorFont>
       <a:minorFont>
-        <a:latin typeface="Calibri" panose="020F0502020204030204"/>
+        <a:latin typeface="Calibri"/>
         <a:ea typeface=""/>
         <a:cs typeface=""/>
         <a:font script="Jpan" typeface="游ゴシック"/>
@@ -10390,7 +11057,7 @@
   <a:extraClrSchemeLst/>
   <a:extLst>
     <a:ext uri="{05A4C25C-085E-4340-85A3-A5531E510DB2}">
-      <thm15:themeFamily xmlns:thm15="http://schemas.microsoft.com/office/thememl/2012/main" name="Office Theme" id="{62F939B6-93AF-4DB8-9C6B-D6C7DFDC589F}" vid="{4A3C46E8-61CC-4603-A589-7422A47A8E4A}"/>
+      <thm15:themeFamily xmlns="" xmlns:thm15="http://schemas.microsoft.com/office/thememl/2012/main" name="Office Theme" id="{62F939B6-93AF-4DB8-9C6B-D6C7DFDC589F}" vid="{4A3C46E8-61CC-4603-A589-7422A47A8E4A}"/>
     </a:ext>
   </a:extLst>
 </a:theme>
@@ -10439,7 +11106,7 @@
     </a:clrScheme>
     <a:fontScheme name="Office">
       <a:majorFont>
-        <a:latin typeface="Calibri Light" panose="020F0302020204030204"/>
+        <a:latin typeface="Calibri Light"/>
         <a:ea typeface=""/>
         <a:cs typeface=""/>
         <a:font script="Jpan" typeface="游ゴシック Light"/>
@@ -10474,7 +11141,7 @@
         <a:font script="Geor" typeface="Sylfaen"/>
       </a:majorFont>
       <a:minorFont>
-        <a:latin typeface="Calibri" panose="020F0502020204030204"/>
+        <a:latin typeface="Calibri"/>
         <a:ea typeface=""/>
         <a:cs typeface=""/>
         <a:font script="Jpan" typeface="游ゴシック"/>
@@ -10651,7 +11318,7 @@
   <a:extraClrSchemeLst/>
   <a:extLst>
     <a:ext uri="{05A4C25C-085E-4340-85A3-A5531E510DB2}">
-      <thm15:themeFamily xmlns:thm15="http://schemas.microsoft.com/office/thememl/2012/main" name="Office Theme" id="{62F939B6-93AF-4DB8-9C6B-D6C7DFDC589F}" vid="{4A3C46E8-61CC-4603-A589-7422A47A8E4A}"/>
+      <thm15:themeFamily xmlns="" xmlns:thm15="http://schemas.microsoft.com/office/thememl/2012/main" name="Office Theme" id="{62F939B6-93AF-4DB8-9C6B-D6C7DFDC589F}" vid="{4A3C46E8-61CC-4603-A589-7422A47A8E4A}"/>
     </a:ext>
   </a:extLst>
 </a:theme>
